--- a/Project_1_presentation.pptx
+++ b/Project_1_presentation.pptx
@@ -11374,7 +11374,7 @@
             </a:pPr>
             <a:r>
               <a:rPr lang="en"/>
-              <a:t>Three Year’s parking data</a:t>
+              <a:t>Three Year’s parking data for year 2016 to 2018</a:t>
             </a:r>
             <a:endParaRPr/>
           </a:p>
@@ -11391,7 +11391,7 @@
             </a:pPr>
             <a:r>
               <a:rPr lang="en"/>
-              <a:t>Fill NaN values with blank</a:t>
+              <a:t>Fill NaN values with blank for addresses with no unit number</a:t>
             </a:r>
             <a:endParaRPr/>
           </a:p>
@@ -11477,6 +11477,23 @@
             <a:r>
               <a:rPr lang="en"/>
               <a:t>Mapbox API calls and data transfers</a:t>
+            </a:r>
+            <a:endParaRPr/>
+          </a:p>
+          <a:p>
+            <a:pPr indent="-342900" lvl="0" marL="457200" rtl="0" algn="l">
+              <a:spcBef>
+                <a:spcPts val="0"/>
+              </a:spcBef>
+              <a:spcAft>
+                <a:spcPts val="0"/>
+              </a:spcAft>
+              <a:buSzPts val="1800"/>
+              <a:buChar char="❖"/>
+            </a:pPr>
+            <a:r>
+              <a:rPr lang="en"/>
+              <a:t>Toronto Open Data API</a:t>
             </a:r>
             <a:endParaRPr/>
           </a:p>
